--- a/images/03.pptx
+++ b/images/03.pptx
@@ -105,6 +105,11 @@
       </a:defRPr>
     </a:lvl9pPr>
   </p:defaultTextStyle>
+  <p:extLst>
+    <p:ext uri="{EFAFB233-063F-42B5-8137-9DF3F51BA10A}">
+      <p15:sldGuideLst xmlns:p15="http://schemas.microsoft.com/office/powerpoint/2012/main"/>
+    </p:ext>
+  </p:extLst>
 </p:presentation>
 </file>
 
@@ -4198,7 +4203,7 @@
           </a:prstGeom>
           <a:solidFill>
             <a:schemeClr val="bg1">
-              <a:lumMod val="75000"/>
+              <a:lumMod val="50000"/>
             </a:schemeClr>
           </a:solidFill>
           <a:ln>
@@ -4297,7 +4302,7 @@
           </a:prstGeom>
           <a:solidFill>
             <a:schemeClr val="bg1">
-              <a:lumMod val="75000"/>
+              <a:lumMod val="50000"/>
             </a:schemeClr>
           </a:solidFill>
           <a:ln>
@@ -4371,17 +4376,29 @@
           <a:lstStyle/>
           <a:p>
             <a:r>
-              <a:rPr lang="ja-JP" altLang="en-US" sz="2400" dirty="0"/>
+              <a:rPr lang="ja-JP" altLang="en-US" sz="2400" dirty="0">
+                <a:latin typeface="BIZ UDPゴシック" panose="020B0400000000000000" pitchFamily="50" charset="-128"/>
+                <a:ea typeface="BIZ UDPゴシック" panose="020B0400000000000000" pitchFamily="50" charset="-128"/>
+              </a:rPr>
               <a:t>国レベルの粗い</a:t>
             </a:r>
-            <a:endParaRPr lang="en-US" altLang="ja-JP" sz="2400" dirty="0"/>
-          </a:p>
-          <a:p>
-            <a:r>
-              <a:rPr lang="ja-JP" altLang="en-US" sz="2400" dirty="0"/>
+            <a:endParaRPr lang="en-US" altLang="ja-JP" sz="2400" dirty="0">
+              <a:latin typeface="BIZ UDPゴシック" panose="020B0400000000000000" pitchFamily="50" charset="-128"/>
+              <a:ea typeface="BIZ UDPゴシック" panose="020B0400000000000000" pitchFamily="50" charset="-128"/>
+            </a:endParaRPr>
+          </a:p>
+          <a:p>
+            <a:r>
+              <a:rPr lang="ja-JP" altLang="en-US" sz="2400" dirty="0">
+                <a:latin typeface="BIZ UDPゴシック" panose="020B0400000000000000" pitchFamily="50" charset="-128"/>
+                <a:ea typeface="BIZ UDPゴシック" panose="020B0400000000000000" pitchFamily="50" charset="-128"/>
+              </a:rPr>
               <a:t>評価</a:t>
             </a:r>
-            <a:endParaRPr kumimoji="1" lang="ja-JP" altLang="en-US" sz="2400" dirty="0"/>
+            <a:endParaRPr kumimoji="1" lang="ja-JP" altLang="en-US" sz="2400" dirty="0">
+              <a:latin typeface="BIZ UDPゴシック" panose="020B0400000000000000" pitchFamily="50" charset="-128"/>
+              <a:ea typeface="BIZ UDPゴシック" panose="020B0400000000000000" pitchFamily="50" charset="-128"/>
+            </a:endParaRPr>
           </a:p>
         </p:txBody>
       </p:sp>
@@ -4414,10 +4431,16 @@
           <a:lstStyle/>
           <a:p>
             <a:r>
-              <a:rPr lang="ja-JP" altLang="en-US" sz="2400" dirty="0"/>
+              <a:rPr lang="ja-JP" altLang="en-US" sz="2400" dirty="0">
+                <a:latin typeface="BIZ UDPゴシック" panose="020B0400000000000000" pitchFamily="50" charset="-128"/>
+                <a:ea typeface="BIZ UDPゴシック" panose="020B0400000000000000" pitchFamily="50" charset="-128"/>
+              </a:rPr>
               <a:t>空間明示の評価は不可能（平均値で粗く評価）</a:t>
             </a:r>
-            <a:endParaRPr kumimoji="1" lang="ja-JP" altLang="en-US" sz="2400" dirty="0"/>
+            <a:endParaRPr kumimoji="1" lang="ja-JP" altLang="en-US" sz="2400" dirty="0">
+              <a:latin typeface="BIZ UDPゴシック" panose="020B0400000000000000" pitchFamily="50" charset="-128"/>
+              <a:ea typeface="BIZ UDPゴシック" panose="020B0400000000000000" pitchFamily="50" charset="-128"/>
+            </a:endParaRPr>
           </a:p>
         </p:txBody>
       </p:sp>
@@ -4450,10 +4473,29 @@
           <a:lstStyle/>
           <a:p>
             <a:r>
-              <a:rPr lang="ja-JP" altLang="en-US" sz="2400" dirty="0"/>
-              <a:t>実際の調達地域でのインパクトを高解像度で評価</a:t>
-            </a:r>
-            <a:endParaRPr kumimoji="1" lang="ja-JP" altLang="en-US" sz="2400" dirty="0"/>
+              <a:rPr lang="ja-JP" altLang="en-US" sz="2400" dirty="0">
+                <a:latin typeface="BIZ UDPゴシック" panose="020B0400000000000000" pitchFamily="50" charset="-128"/>
+                <a:ea typeface="BIZ UDPゴシック" panose="020B0400000000000000" pitchFamily="50" charset="-128"/>
+              </a:rPr>
+              <a:t>実際の調達地域でのインパクトを</a:t>
+            </a:r>
+            <a:endParaRPr lang="en-US" altLang="ja-JP" sz="2400" dirty="0">
+              <a:latin typeface="BIZ UDPゴシック" panose="020B0400000000000000" pitchFamily="50" charset="-128"/>
+              <a:ea typeface="BIZ UDPゴシック" panose="020B0400000000000000" pitchFamily="50" charset="-128"/>
+            </a:endParaRPr>
+          </a:p>
+          <a:p>
+            <a:r>
+              <a:rPr lang="ja-JP" altLang="en-US" sz="2400" dirty="0">
+                <a:latin typeface="BIZ UDPゴシック" panose="020B0400000000000000" pitchFamily="50" charset="-128"/>
+                <a:ea typeface="BIZ UDPゴシック" panose="020B0400000000000000" pitchFamily="50" charset="-128"/>
+              </a:rPr>
+              <a:t>高解像度で評価</a:t>
+            </a:r>
+            <a:endParaRPr kumimoji="1" lang="ja-JP" altLang="en-US" sz="2400" dirty="0">
+              <a:latin typeface="BIZ UDPゴシック" panose="020B0400000000000000" pitchFamily="50" charset="-128"/>
+              <a:ea typeface="BIZ UDPゴシック" panose="020B0400000000000000" pitchFamily="50" charset="-128"/>
+            </a:endParaRPr>
           </a:p>
         </p:txBody>
       </p:sp>
@@ -4486,24 +4528,42 @@
           <a:lstStyle/>
           <a:p>
             <a:r>
-              <a:rPr lang="ja-JP" altLang="en-US" sz="2400" dirty="0"/>
+              <a:rPr lang="ja-JP" altLang="en-US" sz="2400" dirty="0">
+                <a:latin typeface="BIZ UDPゴシック" panose="020B0400000000000000" pitchFamily="50" charset="-128"/>
+                <a:ea typeface="BIZ UDPゴシック" panose="020B0400000000000000" pitchFamily="50" charset="-128"/>
+              </a:rPr>
               <a:t>リスクの高い</a:t>
             </a:r>
-            <a:endParaRPr lang="en-US" altLang="ja-JP" sz="2400" dirty="0"/>
-          </a:p>
-          <a:p>
-            <a:r>
-              <a:rPr lang="ja-JP" altLang="en-US" sz="2400" dirty="0"/>
+            <a:endParaRPr lang="en-US" altLang="ja-JP" sz="2400" dirty="0">
+              <a:latin typeface="BIZ UDPゴシック" panose="020B0400000000000000" pitchFamily="50" charset="-128"/>
+              <a:ea typeface="BIZ UDPゴシック" panose="020B0400000000000000" pitchFamily="50" charset="-128"/>
+            </a:endParaRPr>
+          </a:p>
+          <a:p>
+            <a:r>
+              <a:rPr lang="ja-JP" altLang="en-US" sz="2400" dirty="0">
+                <a:latin typeface="BIZ UDPゴシック" panose="020B0400000000000000" pitchFamily="50" charset="-128"/>
+                <a:ea typeface="BIZ UDPゴシック" panose="020B0400000000000000" pitchFamily="50" charset="-128"/>
+              </a:rPr>
               <a:t>地域を具体的に</a:t>
             </a:r>
-            <a:endParaRPr lang="en-US" altLang="ja-JP" sz="2400" dirty="0"/>
-          </a:p>
-          <a:p>
-            <a:r>
-              <a:rPr lang="ja-JP" altLang="en-US" sz="2400" dirty="0"/>
+            <a:endParaRPr lang="en-US" altLang="ja-JP" sz="2400" dirty="0">
+              <a:latin typeface="BIZ UDPゴシック" panose="020B0400000000000000" pitchFamily="50" charset="-128"/>
+              <a:ea typeface="BIZ UDPゴシック" panose="020B0400000000000000" pitchFamily="50" charset="-128"/>
+            </a:endParaRPr>
+          </a:p>
+          <a:p>
+            <a:r>
+              <a:rPr lang="ja-JP" altLang="en-US" sz="2400" dirty="0">
+                <a:latin typeface="BIZ UDPゴシック" panose="020B0400000000000000" pitchFamily="50" charset="-128"/>
+                <a:ea typeface="BIZ UDPゴシック" panose="020B0400000000000000" pitchFamily="50" charset="-128"/>
+              </a:rPr>
               <a:t>特定可能</a:t>
             </a:r>
-            <a:endParaRPr kumimoji="1" lang="ja-JP" altLang="en-US" sz="2400" dirty="0"/>
+            <a:endParaRPr kumimoji="1" lang="ja-JP" altLang="en-US" sz="2400" dirty="0">
+              <a:latin typeface="BIZ UDPゴシック" panose="020B0400000000000000" pitchFamily="50" charset="-128"/>
+              <a:ea typeface="BIZ UDPゴシック" panose="020B0400000000000000" pitchFamily="50" charset="-128"/>
+            </a:endParaRPr>
           </a:p>
         </p:txBody>
       </p:sp>

--- a/images/03.pptx
+++ b/images/03.pptx
@@ -6,7 +6,8 @@
   </p:sldMasterIdLst>
   <p:sldIdLst>
     <p:sldId id="256" r:id="rId2"/>
-    <p:sldId id="257" r:id="rId3"/>
+    <p:sldId id="258" r:id="rId3"/>
+    <p:sldId id="257" r:id="rId4"/>
   </p:sldIdLst>
   <p:sldSz cx="12192000" cy="6858000"/>
   <p:notesSz cx="6858000" cy="9144000"/>
@@ -4030,6 +4031,487 @@
 </file>
 
 <file path=ppt/slides/slide2.xml><?xml version="1.0" encoding="utf-8"?>
+<p:sld xmlns:a="http://schemas.openxmlformats.org/drawingml/2006/main" xmlns:r="http://schemas.openxmlformats.org/officeDocument/2006/relationships" xmlns:p="http://schemas.openxmlformats.org/presentationml/2006/main">
+  <p:cSld>
+    <p:spTree>
+      <p:nvGrpSpPr>
+        <p:cNvPr id="1" name=""/>
+        <p:cNvGrpSpPr/>
+        <p:nvPr/>
+      </p:nvGrpSpPr>
+      <p:grpSpPr>
+        <a:xfrm>
+          <a:off x="0" y="0"/>
+          <a:ext cx="0" cy="0"/>
+          <a:chOff x="0" y="0"/>
+          <a:chExt cx="0" cy="0"/>
+        </a:xfrm>
+      </p:grpSpPr>
+      <p:sp>
+        <p:nvSpPr>
+          <p:cNvPr id="21" name="四角形: 角を丸くする 20">
+            <a:extLst>
+              <a:ext uri="{FF2B5EF4-FFF2-40B4-BE49-F238E27FC236}">
+                <a16:creationId xmlns:a16="http://schemas.microsoft.com/office/drawing/2014/main" id="{8FE97A73-AA2F-7153-F510-01EB3318DC51}"/>
+              </a:ext>
+            </a:extLst>
+          </p:cNvPr>
+          <p:cNvSpPr/>
+          <p:nvPr/>
+        </p:nvSpPr>
+        <p:spPr>
+          <a:xfrm>
+            <a:off x="1301675" y="1882589"/>
+            <a:ext cx="7734748" cy="3474720"/>
+          </a:xfrm>
+          <a:prstGeom prst="roundRect">
+            <a:avLst>
+              <a:gd name="adj" fmla="val 5831"/>
+            </a:avLst>
+          </a:prstGeom>
+          <a:solidFill>
+            <a:schemeClr val="bg1"/>
+          </a:solidFill>
+        </p:spPr>
+        <p:style>
+          <a:lnRef idx="2">
+            <a:schemeClr val="accent1">
+              <a:shade val="15000"/>
+            </a:schemeClr>
+          </a:lnRef>
+          <a:fillRef idx="1">
+            <a:schemeClr val="accent1"/>
+          </a:fillRef>
+          <a:effectRef idx="0">
+            <a:schemeClr val="accent1"/>
+          </a:effectRef>
+          <a:fontRef idx="minor">
+            <a:schemeClr val="lt1"/>
+          </a:fontRef>
+        </p:style>
+        <p:txBody>
+          <a:bodyPr rtlCol="0" anchor="ctr"/>
+          <a:lstStyle/>
+          <a:p>
+            <a:pPr algn="ctr"/>
+            <a:endParaRPr kumimoji="1" lang="ja-JP" altLang="en-US"/>
+          </a:p>
+        </p:txBody>
+      </p:sp>
+      <p:pic>
+        <p:nvPicPr>
+          <p:cNvPr id="4" name="図 3">
+            <a:extLst>
+              <a:ext uri="{FF2B5EF4-FFF2-40B4-BE49-F238E27FC236}">
+                <a16:creationId xmlns:a16="http://schemas.microsoft.com/office/drawing/2014/main" id="{3210921A-FADD-C0DB-D599-E62903F214CC}"/>
+              </a:ext>
+            </a:extLst>
+          </p:cNvPr>
+          <p:cNvPicPr>
+            <a:picLocks noChangeAspect="1"/>
+          </p:cNvPicPr>
+          <p:nvPr/>
+        </p:nvPicPr>
+        <p:blipFill>
+          <a:blip r:embed="rId2"/>
+          <a:stretch>
+            <a:fillRect/>
+          </a:stretch>
+        </p:blipFill>
+        <p:spPr>
+          <a:xfrm>
+            <a:off x="1995066" y="2233222"/>
+            <a:ext cx="910324" cy="641811"/>
+          </a:xfrm>
+          <a:prstGeom prst="rect">
+            <a:avLst/>
+          </a:prstGeom>
+          <a:effectLst>
+            <a:outerShdw blurRad="50800" dist="50800" dir="5400000" algn="ctr" rotWithShape="0">
+              <a:srgbClr val="000000">
+                <a:alpha val="53000"/>
+              </a:srgbClr>
+            </a:outerShdw>
+          </a:effectLst>
+        </p:spPr>
+      </p:pic>
+      <p:sp>
+        <p:nvSpPr>
+          <p:cNvPr id="5" name="テキスト ボックス 4">
+            <a:extLst>
+              <a:ext uri="{FF2B5EF4-FFF2-40B4-BE49-F238E27FC236}">
+                <a16:creationId xmlns:a16="http://schemas.microsoft.com/office/drawing/2014/main" id="{9BFA950F-12B6-C53E-8C4D-F6AA9A6D339B}"/>
+              </a:ext>
+            </a:extLst>
+          </p:cNvPr>
+          <p:cNvSpPr txBox="1"/>
+          <p:nvPr/>
+        </p:nvSpPr>
+        <p:spPr>
+          <a:xfrm>
+            <a:off x="1885983" y="2814525"/>
+            <a:ext cx="1173093" cy="430887"/>
+          </a:xfrm>
+          <a:prstGeom prst="rect">
+            <a:avLst/>
+          </a:prstGeom>
+          <a:noFill/>
+        </p:spPr>
+        <p:txBody>
+          <a:bodyPr wrap="square" rtlCol="0">
+            <a:spAutoFit/>
+          </a:bodyPr>
+          <a:lstStyle/>
+          <a:p>
+            <a:r>
+              <a:rPr kumimoji="1" lang="ja-JP" altLang="en-US" sz="1100" b="1" dirty="0"/>
+              <a:t>気候・植生変化データ</a:t>
+            </a:r>
+          </a:p>
+        </p:txBody>
+      </p:sp>
+      <p:pic>
+        <p:nvPicPr>
+          <p:cNvPr id="6" name="図 5">
+            <a:extLst>
+              <a:ext uri="{FF2B5EF4-FFF2-40B4-BE49-F238E27FC236}">
+                <a16:creationId xmlns:a16="http://schemas.microsoft.com/office/drawing/2014/main" id="{62D2C090-6C7F-5A01-DBCA-2722928730AE}"/>
+              </a:ext>
+            </a:extLst>
+          </p:cNvPr>
+          <p:cNvPicPr>
+            <a:picLocks noChangeAspect="1"/>
+          </p:cNvPicPr>
+          <p:nvPr/>
+        </p:nvPicPr>
+        <p:blipFill>
+          <a:blip r:embed="rId3"/>
+          <a:stretch>
+            <a:fillRect/>
+          </a:stretch>
+        </p:blipFill>
+        <p:spPr>
+          <a:xfrm>
+            <a:off x="3310647" y="2411450"/>
+            <a:ext cx="1600031" cy="1210176"/>
+          </a:xfrm>
+          <a:prstGeom prst="rect">
+            <a:avLst/>
+          </a:prstGeom>
+        </p:spPr>
+      </p:pic>
+      <p:sp>
+        <p:nvSpPr>
+          <p:cNvPr id="7" name="テキスト ボックス 6">
+            <a:extLst>
+              <a:ext uri="{FF2B5EF4-FFF2-40B4-BE49-F238E27FC236}">
+                <a16:creationId xmlns:a16="http://schemas.microsoft.com/office/drawing/2014/main" id="{49A84805-E9CA-E3B9-C484-B7E9EAD39720}"/>
+              </a:ext>
+            </a:extLst>
+          </p:cNvPr>
+          <p:cNvSpPr txBox="1"/>
+          <p:nvPr/>
+        </p:nvSpPr>
+        <p:spPr>
+          <a:xfrm>
+            <a:off x="3269210" y="2139049"/>
+            <a:ext cx="1173093" cy="261610"/>
+          </a:xfrm>
+          <a:prstGeom prst="rect">
+            <a:avLst/>
+          </a:prstGeom>
+          <a:noFill/>
+        </p:spPr>
+        <p:txBody>
+          <a:bodyPr wrap="square" rtlCol="0">
+            <a:spAutoFit/>
+          </a:bodyPr>
+          <a:lstStyle/>
+          <a:p>
+            <a:r>
+              <a:rPr kumimoji="1" lang="ja-JP" altLang="en-US" sz="1100" b="1" dirty="0"/>
+              <a:t>衛星画像</a:t>
+            </a:r>
+          </a:p>
+        </p:txBody>
+      </p:sp>
+      <p:sp>
+        <p:nvSpPr>
+          <p:cNvPr id="8" name="テキスト ボックス 7">
+            <a:extLst>
+              <a:ext uri="{FF2B5EF4-FFF2-40B4-BE49-F238E27FC236}">
+                <a16:creationId xmlns:a16="http://schemas.microsoft.com/office/drawing/2014/main" id="{7880D262-7D1C-2159-0F25-FBA9F4D53210}"/>
+              </a:ext>
+            </a:extLst>
+          </p:cNvPr>
+          <p:cNvSpPr txBox="1"/>
+          <p:nvPr/>
+        </p:nvSpPr>
+        <p:spPr>
+          <a:xfrm>
+            <a:off x="6312234" y="2497735"/>
+            <a:ext cx="1616633" cy="430887"/>
+          </a:xfrm>
+          <a:prstGeom prst="rect">
+            <a:avLst/>
+          </a:prstGeom>
+          <a:noFill/>
+        </p:spPr>
+        <p:txBody>
+          <a:bodyPr wrap="square" rtlCol="0">
+            <a:spAutoFit/>
+          </a:bodyPr>
+          <a:lstStyle/>
+          <a:p>
+            <a:r>
+              <a:rPr kumimoji="1" lang="ja-JP" altLang="en-US" sz="1100" b="1" dirty="0"/>
+              <a:t>コモディティ生産量</a:t>
+            </a:r>
+            <a:endParaRPr kumimoji="1" lang="en-US" altLang="ja-JP" sz="1100" b="1" dirty="0"/>
+          </a:p>
+          <a:p>
+            <a:r>
+              <a:rPr kumimoji="1" lang="ja-JP" altLang="en-US" sz="1100" b="1" dirty="0"/>
+              <a:t>生物多様性損失の予測</a:t>
+            </a:r>
+          </a:p>
+        </p:txBody>
+      </p:sp>
+      <p:sp>
+        <p:nvSpPr>
+          <p:cNvPr id="10" name="矢印: 右 9">
+            <a:extLst>
+              <a:ext uri="{FF2B5EF4-FFF2-40B4-BE49-F238E27FC236}">
+                <a16:creationId xmlns:a16="http://schemas.microsoft.com/office/drawing/2014/main" id="{48D86B1E-C877-D0A0-4BA9-A43C37AC8D77}"/>
+              </a:ext>
+            </a:extLst>
+          </p:cNvPr>
+          <p:cNvSpPr/>
+          <p:nvPr/>
+        </p:nvSpPr>
+        <p:spPr>
+          <a:xfrm>
+            <a:off x="5264364" y="3522870"/>
+            <a:ext cx="737480" cy="338547"/>
+          </a:xfrm>
+          <a:prstGeom prst="rightArrow">
+            <a:avLst/>
+          </a:prstGeom>
+          <a:solidFill>
+            <a:schemeClr val="accent3"/>
+          </a:solidFill>
+          <a:ln>
+            <a:noFill/>
+          </a:ln>
+        </p:spPr>
+        <p:style>
+          <a:lnRef idx="2">
+            <a:schemeClr val="accent1">
+              <a:shade val="50000"/>
+            </a:schemeClr>
+          </a:lnRef>
+          <a:fillRef idx="1">
+            <a:schemeClr val="accent1"/>
+          </a:fillRef>
+          <a:effectRef idx="0">
+            <a:schemeClr val="accent1"/>
+          </a:effectRef>
+          <a:fontRef idx="minor">
+            <a:schemeClr val="lt1"/>
+          </a:fontRef>
+        </p:style>
+        <p:txBody>
+          <a:bodyPr rtlCol="0" anchor="ctr"/>
+          <a:lstStyle/>
+          <a:p>
+            <a:pPr algn="ctr"/>
+            <a:endParaRPr kumimoji="1" lang="ja-JP" altLang="en-US"/>
+          </a:p>
+        </p:txBody>
+      </p:sp>
+      <p:sp>
+        <p:nvSpPr>
+          <p:cNvPr id="11" name="テキスト ボックス 10">
+            <a:extLst>
+              <a:ext uri="{FF2B5EF4-FFF2-40B4-BE49-F238E27FC236}">
+                <a16:creationId xmlns:a16="http://schemas.microsoft.com/office/drawing/2014/main" id="{AB69135E-B6CD-6127-2C33-E27490D5ED5A}"/>
+              </a:ext>
+            </a:extLst>
+          </p:cNvPr>
+          <p:cNvSpPr txBox="1"/>
+          <p:nvPr/>
+        </p:nvSpPr>
+        <p:spPr>
+          <a:xfrm>
+            <a:off x="5217180" y="3016538"/>
+            <a:ext cx="898429" cy="461665"/>
+          </a:xfrm>
+          <a:prstGeom prst="rect">
+            <a:avLst/>
+          </a:prstGeom>
+          <a:noFill/>
+        </p:spPr>
+        <p:txBody>
+          <a:bodyPr wrap="square" rtlCol="0">
+            <a:spAutoFit/>
+          </a:bodyPr>
+          <a:lstStyle/>
+          <a:p>
+            <a:r>
+              <a:rPr lang="ja-JP" altLang="en-US" sz="1200" dirty="0">
+                <a:solidFill>
+                  <a:schemeClr val="accent1"/>
+                </a:solidFill>
+              </a:rPr>
+              <a:t>モデルによる予測</a:t>
+            </a:r>
+            <a:endParaRPr kumimoji="1" lang="ja-JP" altLang="en-US" sz="1200" dirty="0">
+              <a:solidFill>
+                <a:schemeClr val="accent1"/>
+              </a:solidFill>
+            </a:endParaRPr>
+          </a:p>
+        </p:txBody>
+      </p:sp>
+      <p:pic>
+        <p:nvPicPr>
+          <p:cNvPr id="15" name="図 14">
+            <a:extLst>
+              <a:ext uri="{FF2B5EF4-FFF2-40B4-BE49-F238E27FC236}">
+                <a16:creationId xmlns:a16="http://schemas.microsoft.com/office/drawing/2014/main" id="{A67BDEEC-A56F-D4F2-73DD-D3DBC7329F29}"/>
+              </a:ext>
+            </a:extLst>
+          </p:cNvPr>
+          <p:cNvPicPr>
+            <a:picLocks noChangeAspect="1"/>
+          </p:cNvPicPr>
+          <p:nvPr/>
+        </p:nvPicPr>
+        <p:blipFill>
+          <a:blip r:embed="rId4"/>
+          <a:stretch>
+            <a:fillRect/>
+          </a:stretch>
+        </p:blipFill>
+        <p:spPr>
+          <a:xfrm>
+            <a:off x="6422111" y="2986648"/>
+            <a:ext cx="2327091" cy="1582422"/>
+          </a:xfrm>
+          <a:prstGeom prst="rect">
+            <a:avLst/>
+          </a:prstGeom>
+        </p:spPr>
+      </p:pic>
+      <p:pic>
+        <p:nvPicPr>
+          <p:cNvPr id="17" name="図 16">
+            <a:extLst>
+              <a:ext uri="{FF2B5EF4-FFF2-40B4-BE49-F238E27FC236}">
+                <a16:creationId xmlns:a16="http://schemas.microsoft.com/office/drawing/2014/main" id="{ACFA6908-233C-64B5-17D0-EABB96BB53AE}"/>
+              </a:ext>
+            </a:extLst>
+          </p:cNvPr>
+          <p:cNvPicPr>
+            <a:picLocks noChangeAspect="1"/>
+          </p:cNvPicPr>
+          <p:nvPr/>
+        </p:nvPicPr>
+        <p:blipFill>
+          <a:blip r:embed="rId5"/>
+          <a:stretch>
+            <a:fillRect/>
+          </a:stretch>
+        </p:blipFill>
+        <p:spPr>
+          <a:xfrm>
+            <a:off x="2678150" y="3692143"/>
+            <a:ext cx="1722998" cy="1341641"/>
+          </a:xfrm>
+          <a:prstGeom prst="rect">
+            <a:avLst/>
+          </a:prstGeom>
+        </p:spPr>
+      </p:pic>
+      <p:pic>
+        <p:nvPicPr>
+          <p:cNvPr id="19" name="図 18">
+            <a:extLst>
+              <a:ext uri="{FF2B5EF4-FFF2-40B4-BE49-F238E27FC236}">
+                <a16:creationId xmlns:a16="http://schemas.microsoft.com/office/drawing/2014/main" id="{0E8F72BB-BDF8-AABC-2E0F-7870B153F0BB}"/>
+              </a:ext>
+            </a:extLst>
+          </p:cNvPr>
+          <p:cNvPicPr>
+            <a:picLocks noChangeAspect="1"/>
+          </p:cNvPicPr>
+          <p:nvPr/>
+        </p:nvPicPr>
+        <p:blipFill>
+          <a:blip r:embed="rId6"/>
+          <a:stretch>
+            <a:fillRect/>
+          </a:stretch>
+        </p:blipFill>
+        <p:spPr>
+          <a:xfrm>
+            <a:off x="1984482" y="3774336"/>
+            <a:ext cx="647987" cy="764045"/>
+          </a:xfrm>
+          <a:prstGeom prst="rect">
+            <a:avLst/>
+          </a:prstGeom>
+        </p:spPr>
+      </p:pic>
+      <p:sp>
+        <p:nvSpPr>
+          <p:cNvPr id="20" name="テキスト ボックス 19">
+            <a:extLst>
+              <a:ext uri="{FF2B5EF4-FFF2-40B4-BE49-F238E27FC236}">
+                <a16:creationId xmlns:a16="http://schemas.microsoft.com/office/drawing/2014/main" id="{E017133E-9E0E-E940-6206-99B2FD50FD41}"/>
+              </a:ext>
+            </a:extLst>
+          </p:cNvPr>
+          <p:cNvSpPr txBox="1"/>
+          <p:nvPr/>
+        </p:nvSpPr>
+        <p:spPr>
+          <a:xfrm>
+            <a:off x="1909091" y="3512726"/>
+            <a:ext cx="1173093" cy="261610"/>
+          </a:xfrm>
+          <a:prstGeom prst="rect">
+            <a:avLst/>
+          </a:prstGeom>
+          <a:noFill/>
+        </p:spPr>
+        <p:txBody>
+          <a:bodyPr wrap="square" rtlCol="0">
+            <a:spAutoFit/>
+          </a:bodyPr>
+          <a:lstStyle/>
+          <a:p>
+            <a:r>
+              <a:rPr kumimoji="1" lang="ja-JP" altLang="en-US" sz="1100" b="1" dirty="0"/>
+              <a:t>文献情報</a:t>
+            </a:r>
+          </a:p>
+        </p:txBody>
+      </p:sp>
+    </p:spTree>
+    <p:extLst>
+      <p:ext uri="{BB962C8B-B14F-4D97-AF65-F5344CB8AC3E}">
+        <p14:creationId xmlns:p14="http://schemas.microsoft.com/office/powerpoint/2010/main" val="1764313334"/>
+      </p:ext>
+    </p:extLst>
+  </p:cSld>
+  <p:clrMapOvr>
+    <a:masterClrMapping/>
+  </p:clrMapOvr>
+</p:sld>
+</file>
+
+<file path=ppt/slides/slide3.xml><?xml version="1.0" encoding="utf-8"?>
 <p:sld xmlns:a="http://schemas.openxmlformats.org/drawingml/2006/main" xmlns:r="http://schemas.openxmlformats.org/officeDocument/2006/relationships" xmlns:p="http://schemas.openxmlformats.org/presentationml/2006/main">
   <p:cSld>
     <p:spTree>

--- a/images/03.pptx
+++ b/images/03.pptx
@@ -8,6 +8,7 @@
     <p:sldId id="256" r:id="rId2"/>
     <p:sldId id="258" r:id="rId3"/>
     <p:sldId id="257" r:id="rId4"/>
+    <p:sldId id="259" r:id="rId5"/>
   </p:sldIdLst>
   <p:sldSz cx="12192000" cy="6858000"/>
   <p:notesSz cx="6858000" cy="9144000"/>
@@ -5053,6 +5054,573 @@
     <p:extLst>
       <p:ext uri="{BB962C8B-B14F-4D97-AF65-F5344CB8AC3E}">
         <p14:creationId xmlns:p14="http://schemas.microsoft.com/office/powerpoint/2010/main" val="182863040"/>
+      </p:ext>
+    </p:extLst>
+  </p:cSld>
+  <p:clrMapOvr>
+    <a:masterClrMapping/>
+  </p:clrMapOvr>
+</p:sld>
+</file>
+
+<file path=ppt/slides/slide4.xml><?xml version="1.0" encoding="utf-8"?>
+<p:sld xmlns:a="http://schemas.openxmlformats.org/drawingml/2006/main" xmlns:r="http://schemas.openxmlformats.org/officeDocument/2006/relationships" xmlns:p="http://schemas.openxmlformats.org/presentationml/2006/main">
+  <p:cSld>
+    <p:spTree>
+      <p:nvGrpSpPr>
+        <p:cNvPr id="1" name="">
+          <a:extLst>
+            <a:ext uri="{FF2B5EF4-FFF2-40B4-BE49-F238E27FC236}">
+              <a16:creationId xmlns:a16="http://schemas.microsoft.com/office/drawing/2014/main" id="{9CAF23A5-BD40-3C05-FA2E-7E53DEAEEDEE}"/>
+            </a:ext>
+          </a:extLst>
+        </p:cNvPr>
+        <p:cNvGrpSpPr/>
+        <p:nvPr/>
+      </p:nvGrpSpPr>
+      <p:grpSpPr>
+        <a:xfrm>
+          <a:off x="0" y="0"/>
+          <a:ext cx="0" cy="0"/>
+          <a:chOff x="0" y="0"/>
+          <a:chExt cx="0" cy="0"/>
+        </a:xfrm>
+      </p:grpSpPr>
+      <p:sp>
+        <p:nvSpPr>
+          <p:cNvPr id="4" name="四角形: 角を丸くする 3">
+            <a:extLst>
+              <a:ext uri="{FF2B5EF4-FFF2-40B4-BE49-F238E27FC236}">
+                <a16:creationId xmlns:a16="http://schemas.microsoft.com/office/drawing/2014/main" id="{032315F4-A79F-5D2B-8EEE-44236B739A4E}"/>
+              </a:ext>
+            </a:extLst>
+          </p:cNvPr>
+          <p:cNvSpPr/>
+          <p:nvPr/>
+        </p:nvSpPr>
+        <p:spPr>
+          <a:xfrm>
+            <a:off x="697833" y="2836111"/>
+            <a:ext cx="2858167" cy="1519989"/>
+          </a:xfrm>
+          <a:prstGeom prst="roundRect">
+            <a:avLst/>
+          </a:prstGeom>
+          <a:solidFill>
+            <a:schemeClr val="accent2">
+              <a:lumMod val="75000"/>
+            </a:schemeClr>
+          </a:solidFill>
+          <a:ln>
+            <a:noFill/>
+          </a:ln>
+        </p:spPr>
+        <p:style>
+          <a:lnRef idx="2">
+            <a:schemeClr val="accent1">
+              <a:shade val="15000"/>
+            </a:schemeClr>
+          </a:lnRef>
+          <a:fillRef idx="1">
+            <a:schemeClr val="accent1"/>
+          </a:fillRef>
+          <a:effectRef idx="0">
+            <a:schemeClr val="accent1"/>
+          </a:effectRef>
+          <a:fontRef idx="minor">
+            <a:schemeClr val="lt1"/>
+          </a:fontRef>
+        </p:style>
+        <p:txBody>
+          <a:bodyPr rtlCol="0" anchor="ctr"/>
+          <a:lstStyle/>
+          <a:p>
+            <a:pPr algn="ctr"/>
+            <a:r>
+              <a:rPr kumimoji="1" lang="ja-JP" altLang="en-US" sz="2400" dirty="0">
+                <a:latin typeface="BIZ UDPゴシック" panose="020B0400000000000000" pitchFamily="50" charset="-128"/>
+                <a:ea typeface="BIZ UDPゴシック" panose="020B0400000000000000" pitchFamily="50" charset="-128"/>
+              </a:rPr>
+              <a:t>調達地域が</a:t>
+            </a:r>
+            <a:r>
+              <a:rPr lang="ja-JP" altLang="en-US" sz="2400" dirty="0">
+                <a:latin typeface="BIZ UDPゴシック" panose="020B0400000000000000" pitchFamily="50" charset="-128"/>
+                <a:ea typeface="BIZ UDPゴシック" panose="020B0400000000000000" pitchFamily="50" charset="-128"/>
+              </a:rPr>
+              <a:t>既知</a:t>
+            </a:r>
+            <a:endParaRPr kumimoji="1" lang="ja-JP" altLang="en-US" sz="2400" dirty="0">
+              <a:latin typeface="BIZ UDPゴシック" panose="020B0400000000000000" pitchFamily="50" charset="-128"/>
+              <a:ea typeface="BIZ UDPゴシック" panose="020B0400000000000000" pitchFamily="50" charset="-128"/>
+            </a:endParaRPr>
+          </a:p>
+        </p:txBody>
+      </p:sp>
+      <p:sp>
+        <p:nvSpPr>
+          <p:cNvPr id="5" name="四角形: 角を丸くする 4">
+            <a:extLst>
+              <a:ext uri="{FF2B5EF4-FFF2-40B4-BE49-F238E27FC236}">
+                <a16:creationId xmlns:a16="http://schemas.microsoft.com/office/drawing/2014/main" id="{E406E4F1-10D1-2039-FFA0-8FC82550FCDE}"/>
+              </a:ext>
+            </a:extLst>
+          </p:cNvPr>
+          <p:cNvSpPr/>
+          <p:nvPr/>
+        </p:nvSpPr>
+        <p:spPr>
+          <a:xfrm>
+            <a:off x="697833" y="4508500"/>
+            <a:ext cx="2858167" cy="1519989"/>
+          </a:xfrm>
+          <a:prstGeom prst="roundRect">
+            <a:avLst/>
+          </a:prstGeom>
+          <a:solidFill>
+            <a:schemeClr val="accent4"/>
+          </a:solidFill>
+          <a:ln>
+            <a:noFill/>
+          </a:ln>
+        </p:spPr>
+        <p:style>
+          <a:lnRef idx="2">
+            <a:schemeClr val="accent1">
+              <a:shade val="15000"/>
+            </a:schemeClr>
+          </a:lnRef>
+          <a:fillRef idx="1">
+            <a:schemeClr val="accent1"/>
+          </a:fillRef>
+          <a:effectRef idx="0">
+            <a:schemeClr val="accent1"/>
+          </a:effectRef>
+          <a:fontRef idx="minor">
+            <a:schemeClr val="lt1"/>
+          </a:fontRef>
+        </p:style>
+        <p:txBody>
+          <a:bodyPr rtlCol="0" anchor="ctr"/>
+          <a:lstStyle/>
+          <a:p>
+            <a:pPr algn="ctr"/>
+            <a:r>
+              <a:rPr kumimoji="1" lang="ja-JP" altLang="en-US" sz="2400" dirty="0">
+                <a:latin typeface="BIZ UDPゴシック" panose="020B0400000000000000" pitchFamily="50" charset="-128"/>
+                <a:ea typeface="BIZ UDPゴシック" panose="020B0400000000000000" pitchFamily="50" charset="-128"/>
+              </a:rPr>
+              <a:t>調達地域が未知</a:t>
+            </a:r>
+          </a:p>
+        </p:txBody>
+      </p:sp>
+      <p:sp>
+        <p:nvSpPr>
+          <p:cNvPr id="6" name="四角形: 角を丸くする 5">
+            <a:extLst>
+              <a:ext uri="{FF2B5EF4-FFF2-40B4-BE49-F238E27FC236}">
+                <a16:creationId xmlns:a16="http://schemas.microsoft.com/office/drawing/2014/main" id="{36117875-393A-334D-6758-3FC9E90B7645}"/>
+              </a:ext>
+            </a:extLst>
+          </p:cNvPr>
+          <p:cNvSpPr/>
+          <p:nvPr/>
+        </p:nvSpPr>
+        <p:spPr>
+          <a:xfrm>
+            <a:off x="3846095" y="1768134"/>
+            <a:ext cx="2923005" cy="834189"/>
+          </a:xfrm>
+          <a:prstGeom prst="roundRect">
+            <a:avLst/>
+          </a:prstGeom>
+          <a:solidFill>
+            <a:schemeClr val="bg1">
+              <a:lumMod val="50000"/>
+            </a:schemeClr>
+          </a:solidFill>
+          <a:ln>
+            <a:noFill/>
+          </a:ln>
+        </p:spPr>
+        <p:style>
+          <a:lnRef idx="2">
+            <a:schemeClr val="accent1">
+              <a:shade val="15000"/>
+            </a:schemeClr>
+          </a:lnRef>
+          <a:fillRef idx="1">
+            <a:schemeClr val="accent1"/>
+          </a:fillRef>
+          <a:effectRef idx="0">
+            <a:schemeClr val="accent1"/>
+          </a:effectRef>
+          <a:fontRef idx="minor">
+            <a:schemeClr val="lt1"/>
+          </a:fontRef>
+        </p:style>
+        <p:txBody>
+          <a:bodyPr rtlCol="0" anchor="ctr"/>
+          <a:lstStyle/>
+          <a:p>
+            <a:pPr algn="ctr"/>
+            <a:r>
+              <a:rPr kumimoji="1" lang="ja-JP" altLang="en-US" sz="2400" dirty="0">
+                <a:latin typeface="BIZ UDPゴシック" panose="020B0400000000000000" pitchFamily="50" charset="-128"/>
+                <a:ea typeface="BIZ UDPゴシック" panose="020B0400000000000000" pitchFamily="50" charset="-128"/>
+              </a:rPr>
+              <a:t>従来</a:t>
+            </a:r>
+          </a:p>
+        </p:txBody>
+      </p:sp>
+      <p:sp>
+        <p:nvSpPr>
+          <p:cNvPr id="9" name="テキスト ボックス 8">
+            <a:extLst>
+              <a:ext uri="{FF2B5EF4-FFF2-40B4-BE49-F238E27FC236}">
+                <a16:creationId xmlns:a16="http://schemas.microsoft.com/office/drawing/2014/main" id="{EB0488B5-E5FF-E3B7-485E-0F2A09B2016F}"/>
+              </a:ext>
+            </a:extLst>
+          </p:cNvPr>
+          <p:cNvSpPr txBox="1"/>
+          <p:nvPr/>
+        </p:nvSpPr>
+        <p:spPr>
+          <a:xfrm>
+            <a:off x="538421" y="884004"/>
+            <a:ext cx="6995826" cy="646331"/>
+          </a:xfrm>
+          <a:prstGeom prst="rect">
+            <a:avLst/>
+          </a:prstGeom>
+          <a:noFill/>
+        </p:spPr>
+        <p:txBody>
+          <a:bodyPr wrap="none" rtlCol="0">
+            <a:spAutoFit/>
+          </a:bodyPr>
+          <a:lstStyle/>
+          <a:p>
+            <a:r>
+              <a:rPr lang="ja-JP" altLang="en-US" sz="3600">
+                <a:latin typeface="Arial" panose="020B0604020202020204" pitchFamily="34" charset="0"/>
+                <a:ea typeface="BIZ UDPゴシック" panose="020B0400000000000000" pitchFamily="50" charset="-128"/>
+                <a:cs typeface="Arial" panose="020B0604020202020204" pitchFamily="34" charset="0"/>
+              </a:rPr>
+              <a:t>鉱物</a:t>
+            </a:r>
+            <a:r>
+              <a:rPr kumimoji="1" lang="ja-JP" altLang="en-US" sz="3600">
+                <a:latin typeface="Arial" panose="020B0604020202020204" pitchFamily="34" charset="0"/>
+                <a:ea typeface="BIZ UDPゴシック" panose="020B0400000000000000" pitchFamily="50" charset="-128"/>
+                <a:cs typeface="Arial" panose="020B0604020202020204" pitchFamily="34" charset="0"/>
+              </a:rPr>
+              <a:t>コモディティ</a:t>
+            </a:r>
+            <a:r>
+              <a:rPr kumimoji="1" lang="ja-JP" altLang="en-US" sz="3600" dirty="0">
+                <a:latin typeface="Arial" panose="020B0604020202020204" pitchFamily="34" charset="0"/>
+                <a:ea typeface="BIZ UDPゴシック" panose="020B0400000000000000" pitchFamily="50" charset="-128"/>
+                <a:cs typeface="Arial" panose="020B0604020202020204" pitchFamily="34" charset="0"/>
+              </a:rPr>
+              <a:t>のインパクト評価</a:t>
+            </a:r>
+          </a:p>
+        </p:txBody>
+      </p:sp>
+      <p:sp>
+        <p:nvSpPr>
+          <p:cNvPr id="2" name="四角形: 角を丸くする 1">
+            <a:extLst>
+              <a:ext uri="{FF2B5EF4-FFF2-40B4-BE49-F238E27FC236}">
+                <a16:creationId xmlns:a16="http://schemas.microsoft.com/office/drawing/2014/main" id="{6FF58423-D13D-6B2F-EE7B-3A3DC07C489A}"/>
+              </a:ext>
+            </a:extLst>
+          </p:cNvPr>
+          <p:cNvSpPr/>
+          <p:nvPr/>
+        </p:nvSpPr>
+        <p:spPr>
+          <a:xfrm>
+            <a:off x="6957595" y="1768134"/>
+            <a:ext cx="2923005" cy="834189"/>
+          </a:xfrm>
+          <a:prstGeom prst="roundRect">
+            <a:avLst/>
+          </a:prstGeom>
+          <a:solidFill>
+            <a:schemeClr val="bg1">
+              <a:lumMod val="50000"/>
+            </a:schemeClr>
+          </a:solidFill>
+          <a:ln>
+            <a:noFill/>
+          </a:ln>
+        </p:spPr>
+        <p:style>
+          <a:lnRef idx="2">
+            <a:schemeClr val="accent1">
+              <a:shade val="15000"/>
+            </a:schemeClr>
+          </a:lnRef>
+          <a:fillRef idx="1">
+            <a:schemeClr val="accent1"/>
+          </a:fillRef>
+          <a:effectRef idx="0">
+            <a:schemeClr val="accent1"/>
+          </a:effectRef>
+          <a:fontRef idx="minor">
+            <a:schemeClr val="lt1"/>
+          </a:fontRef>
+        </p:style>
+        <p:txBody>
+          <a:bodyPr rtlCol="0" anchor="ctr"/>
+          <a:lstStyle/>
+          <a:p>
+            <a:pPr algn="ctr"/>
+            <a:r>
+              <a:rPr kumimoji="1" lang="en-US" altLang="ja-JP" sz="2400" dirty="0">
+                <a:latin typeface="BIZ UDPゴシック" panose="020B0400000000000000" pitchFamily="50" charset="-128"/>
+                <a:ea typeface="BIZ UDPゴシック" panose="020B0400000000000000" pitchFamily="50" charset="-128"/>
+              </a:rPr>
+              <a:t>TN</a:t>
+            </a:r>
+            <a:r>
+              <a:rPr kumimoji="1" lang="ja-JP" altLang="en-US" sz="2400" dirty="0">
+                <a:latin typeface="BIZ UDPゴシック" panose="020B0400000000000000" pitchFamily="50" charset="-128"/>
+                <a:ea typeface="BIZ UDPゴシック" panose="020B0400000000000000" pitchFamily="50" charset="-128"/>
+              </a:rPr>
+              <a:t>の方法</a:t>
+            </a:r>
+          </a:p>
+        </p:txBody>
+      </p:sp>
+      <p:sp>
+        <p:nvSpPr>
+          <p:cNvPr id="3" name="テキスト ボックス 2">
+            <a:extLst>
+              <a:ext uri="{FF2B5EF4-FFF2-40B4-BE49-F238E27FC236}">
+                <a16:creationId xmlns:a16="http://schemas.microsoft.com/office/drawing/2014/main" id="{B25E5860-F89E-DDF4-A7E8-80234E689741}"/>
+              </a:ext>
+            </a:extLst>
+          </p:cNvPr>
+          <p:cNvSpPr txBox="1"/>
+          <p:nvPr/>
+        </p:nvSpPr>
+        <p:spPr>
+          <a:xfrm>
+            <a:off x="4038600" y="3180606"/>
+            <a:ext cx="2730499" cy="830997"/>
+          </a:xfrm>
+          <a:prstGeom prst="rect">
+            <a:avLst/>
+          </a:prstGeom>
+          <a:noFill/>
+        </p:spPr>
+        <p:txBody>
+          <a:bodyPr wrap="square" rtlCol="0">
+            <a:spAutoFit/>
+          </a:bodyPr>
+          <a:lstStyle/>
+          <a:p>
+            <a:r>
+              <a:rPr lang="ja-JP" altLang="en-US" sz="2400" dirty="0">
+                <a:latin typeface="BIZ UDPゴシック" panose="020B0400000000000000" pitchFamily="50" charset="-128"/>
+                <a:ea typeface="BIZ UDPゴシック" panose="020B0400000000000000" pitchFamily="50" charset="-128"/>
+              </a:rPr>
+              <a:t>国レベルの粗い</a:t>
+            </a:r>
+            <a:endParaRPr lang="en-US" altLang="ja-JP" sz="2400" dirty="0">
+              <a:latin typeface="BIZ UDPゴシック" panose="020B0400000000000000" pitchFamily="50" charset="-128"/>
+              <a:ea typeface="BIZ UDPゴシック" panose="020B0400000000000000" pitchFamily="50" charset="-128"/>
+            </a:endParaRPr>
+          </a:p>
+          <a:p>
+            <a:r>
+              <a:rPr lang="ja-JP" altLang="en-US" sz="2400" dirty="0">
+                <a:latin typeface="BIZ UDPゴシック" panose="020B0400000000000000" pitchFamily="50" charset="-128"/>
+                <a:ea typeface="BIZ UDPゴシック" panose="020B0400000000000000" pitchFamily="50" charset="-128"/>
+              </a:rPr>
+              <a:t>評価</a:t>
+            </a:r>
+            <a:endParaRPr kumimoji="1" lang="ja-JP" altLang="en-US" sz="2400" dirty="0">
+              <a:latin typeface="BIZ UDPゴシック" panose="020B0400000000000000" pitchFamily="50" charset="-128"/>
+              <a:ea typeface="BIZ UDPゴシック" panose="020B0400000000000000" pitchFamily="50" charset="-128"/>
+            </a:endParaRPr>
+          </a:p>
+        </p:txBody>
+      </p:sp>
+      <p:sp>
+        <p:nvSpPr>
+          <p:cNvPr id="10" name="テキスト ボックス 9">
+            <a:extLst>
+              <a:ext uri="{FF2B5EF4-FFF2-40B4-BE49-F238E27FC236}">
+                <a16:creationId xmlns:a16="http://schemas.microsoft.com/office/drawing/2014/main" id="{725D0ED8-6B36-ADC5-A8A1-60B5940C8FC2}"/>
+              </a:ext>
+            </a:extLst>
+          </p:cNvPr>
+          <p:cNvSpPr txBox="1"/>
+          <p:nvPr/>
+        </p:nvSpPr>
+        <p:spPr>
+          <a:xfrm>
+            <a:off x="3993147" y="4576301"/>
+            <a:ext cx="2730499" cy="1200329"/>
+          </a:xfrm>
+          <a:prstGeom prst="rect">
+            <a:avLst/>
+          </a:prstGeom>
+          <a:noFill/>
+        </p:spPr>
+        <p:txBody>
+          <a:bodyPr wrap="square" rtlCol="0">
+            <a:spAutoFit/>
+          </a:bodyPr>
+          <a:lstStyle/>
+          <a:p>
+            <a:r>
+              <a:rPr lang="ja-JP" altLang="en-US" sz="2400" dirty="0">
+                <a:latin typeface="BIZ UDPゴシック" panose="020B0400000000000000" pitchFamily="50" charset="-128"/>
+                <a:ea typeface="BIZ UDPゴシック" panose="020B0400000000000000" pitchFamily="50" charset="-128"/>
+              </a:rPr>
+              <a:t>空間明示の評価は不可能（平均値で粗く評価）</a:t>
+            </a:r>
+            <a:endParaRPr kumimoji="1" lang="ja-JP" altLang="en-US" sz="2400" dirty="0">
+              <a:latin typeface="BIZ UDPゴシック" panose="020B0400000000000000" pitchFamily="50" charset="-128"/>
+              <a:ea typeface="BIZ UDPゴシック" panose="020B0400000000000000" pitchFamily="50" charset="-128"/>
+            </a:endParaRPr>
+          </a:p>
+        </p:txBody>
+      </p:sp>
+      <p:sp>
+        <p:nvSpPr>
+          <p:cNvPr id="11" name="テキスト ボックス 10">
+            <a:extLst>
+              <a:ext uri="{FF2B5EF4-FFF2-40B4-BE49-F238E27FC236}">
+                <a16:creationId xmlns:a16="http://schemas.microsoft.com/office/drawing/2014/main" id="{04B64100-8E74-3FA6-7071-63330C92C874}"/>
+              </a:ext>
+            </a:extLst>
+          </p:cNvPr>
+          <p:cNvSpPr txBox="1"/>
+          <p:nvPr/>
+        </p:nvSpPr>
+        <p:spPr>
+          <a:xfrm>
+            <a:off x="7053847" y="2971105"/>
+            <a:ext cx="2730499" cy="1200329"/>
+          </a:xfrm>
+          <a:prstGeom prst="rect">
+            <a:avLst/>
+          </a:prstGeom>
+          <a:noFill/>
+        </p:spPr>
+        <p:txBody>
+          <a:bodyPr wrap="square" rtlCol="0">
+            <a:spAutoFit/>
+          </a:bodyPr>
+          <a:lstStyle/>
+          <a:p>
+            <a:r>
+              <a:rPr lang="ja-JP" altLang="en-US" sz="2400" dirty="0">
+                <a:latin typeface="BIZ UDPゴシック" panose="020B0400000000000000" pitchFamily="50" charset="-128"/>
+                <a:ea typeface="BIZ UDPゴシック" panose="020B0400000000000000" pitchFamily="50" charset="-128"/>
+              </a:rPr>
+              <a:t>実際の調達地域でのインパクトを</a:t>
+            </a:r>
+            <a:endParaRPr lang="en-US" altLang="ja-JP" sz="2400" dirty="0">
+              <a:latin typeface="BIZ UDPゴシック" panose="020B0400000000000000" pitchFamily="50" charset="-128"/>
+              <a:ea typeface="BIZ UDPゴシック" panose="020B0400000000000000" pitchFamily="50" charset="-128"/>
+            </a:endParaRPr>
+          </a:p>
+          <a:p>
+            <a:r>
+              <a:rPr lang="ja-JP" altLang="en-US" sz="2400" dirty="0">
+                <a:latin typeface="BIZ UDPゴシック" panose="020B0400000000000000" pitchFamily="50" charset="-128"/>
+                <a:ea typeface="BIZ UDPゴシック" panose="020B0400000000000000" pitchFamily="50" charset="-128"/>
+              </a:rPr>
+              <a:t>高解像度で評価</a:t>
+            </a:r>
+            <a:endParaRPr kumimoji="1" lang="ja-JP" altLang="en-US" sz="2400" dirty="0">
+              <a:latin typeface="BIZ UDPゴシック" panose="020B0400000000000000" pitchFamily="50" charset="-128"/>
+              <a:ea typeface="BIZ UDPゴシック" panose="020B0400000000000000" pitchFamily="50" charset="-128"/>
+            </a:endParaRPr>
+          </a:p>
+        </p:txBody>
+      </p:sp>
+      <p:sp>
+        <p:nvSpPr>
+          <p:cNvPr id="13" name="テキスト ボックス 12">
+            <a:extLst>
+              <a:ext uri="{FF2B5EF4-FFF2-40B4-BE49-F238E27FC236}">
+                <a16:creationId xmlns:a16="http://schemas.microsoft.com/office/drawing/2014/main" id="{F07810F5-01FC-4338-9C1F-F894F4F208EA}"/>
+              </a:ext>
+            </a:extLst>
+          </p:cNvPr>
+          <p:cNvSpPr txBox="1"/>
+          <p:nvPr/>
+        </p:nvSpPr>
+        <p:spPr>
+          <a:xfrm>
+            <a:off x="7053846" y="4575996"/>
+            <a:ext cx="2730499" cy="1200329"/>
+          </a:xfrm>
+          <a:prstGeom prst="rect">
+            <a:avLst/>
+          </a:prstGeom>
+          <a:noFill/>
+        </p:spPr>
+        <p:txBody>
+          <a:bodyPr wrap="square" rtlCol="0">
+            <a:spAutoFit/>
+          </a:bodyPr>
+          <a:lstStyle/>
+          <a:p>
+            <a:r>
+              <a:rPr lang="ja-JP" altLang="en-US" sz="2400" dirty="0">
+                <a:latin typeface="BIZ UDPゴシック" panose="020B0400000000000000" pitchFamily="50" charset="-128"/>
+                <a:ea typeface="BIZ UDPゴシック" panose="020B0400000000000000" pitchFamily="50" charset="-128"/>
+              </a:rPr>
+              <a:t>リスクの高い</a:t>
+            </a:r>
+            <a:endParaRPr lang="en-US" altLang="ja-JP" sz="2400" dirty="0">
+              <a:latin typeface="BIZ UDPゴシック" panose="020B0400000000000000" pitchFamily="50" charset="-128"/>
+              <a:ea typeface="BIZ UDPゴシック" panose="020B0400000000000000" pitchFamily="50" charset="-128"/>
+            </a:endParaRPr>
+          </a:p>
+          <a:p>
+            <a:r>
+              <a:rPr lang="ja-JP" altLang="en-US" sz="2400" dirty="0">
+                <a:latin typeface="BIZ UDPゴシック" panose="020B0400000000000000" pitchFamily="50" charset="-128"/>
+                <a:ea typeface="BIZ UDPゴシック" panose="020B0400000000000000" pitchFamily="50" charset="-128"/>
+              </a:rPr>
+              <a:t>地域を具体的に</a:t>
+            </a:r>
+            <a:endParaRPr lang="en-US" altLang="ja-JP" sz="2400" dirty="0">
+              <a:latin typeface="BIZ UDPゴシック" panose="020B0400000000000000" pitchFamily="50" charset="-128"/>
+              <a:ea typeface="BIZ UDPゴシック" panose="020B0400000000000000" pitchFamily="50" charset="-128"/>
+            </a:endParaRPr>
+          </a:p>
+          <a:p>
+            <a:r>
+              <a:rPr lang="ja-JP" altLang="en-US" sz="2400" dirty="0">
+                <a:latin typeface="BIZ UDPゴシック" panose="020B0400000000000000" pitchFamily="50" charset="-128"/>
+                <a:ea typeface="BIZ UDPゴシック" panose="020B0400000000000000" pitchFamily="50" charset="-128"/>
+              </a:rPr>
+              <a:t>特定可能</a:t>
+            </a:r>
+            <a:endParaRPr kumimoji="1" lang="ja-JP" altLang="en-US" sz="2400" dirty="0">
+              <a:latin typeface="BIZ UDPゴシック" panose="020B0400000000000000" pitchFamily="50" charset="-128"/>
+              <a:ea typeface="BIZ UDPゴシック" panose="020B0400000000000000" pitchFamily="50" charset="-128"/>
+            </a:endParaRPr>
+          </a:p>
+        </p:txBody>
+      </p:sp>
+    </p:spTree>
+    <p:extLst>
+      <p:ext uri="{BB962C8B-B14F-4D97-AF65-F5344CB8AC3E}">
+        <p14:creationId xmlns:p14="http://schemas.microsoft.com/office/powerpoint/2010/main" val="395961793"/>
       </p:ext>
     </p:extLst>
   </p:cSld>
